--- a/Info/Project_Template02.pptx
+++ b/Info/Project_Template02.pptx
@@ -5,8 +5,12 @@
     <p:sldMasterId id="2147483648" r:id="rId1"/>
   </p:sldMasterIdLst>
   <p:sldIdLst>
-    <p:sldId id="256" r:id="rId2"/>
+    <p:sldId id="261" r:id="rId2"/>
     <p:sldId id="257" r:id="rId3"/>
+    <p:sldId id="258" r:id="rId4"/>
+    <p:sldId id="263" r:id="rId5"/>
+    <p:sldId id="259" r:id="rId6"/>
+    <p:sldId id="262" r:id="rId7"/>
   </p:sldIdLst>
   <p:sldSz cx="9144000" cy="6858000" type="screen4x3"/>
   <p:notesSz cx="6858000" cy="9144000"/>
@@ -114,7 +118,7 @@
     <p:bg>
       <p:bgPr>
         <a:blipFill dpi="0" rotWithShape="1">
-          <a:blip r:embed="rId2">
+          <a:blip r:embed="rId2" cstate="print">
             <a:lum/>
           </a:blip>
           <a:srcRect/>
@@ -148,10 +152,10 @@
           <p:nvPr userDrawn="1"/>
         </p:nvPicPr>
         <p:blipFill>
-          <a:blip r:embed="rId3">
+          <a:blip r:embed="rId3" cstate="print">
             <a:extLst>
               <a:ext uri="{28A0092B-C50C-407E-A947-70E740481C1C}">
-                <a14:useLocalDpi xmlns:a14="http://schemas.microsoft.com/office/drawing/2010/main" xmlns="" val="0"/>
+                <a14:useLocalDpi xmlns="" xmlns:a14="http://schemas.microsoft.com/office/drawing/2010/main" val="0"/>
               </a:ext>
             </a:extLst>
           </a:blip>
@@ -171,7 +175,7 @@
           <a:noFill/>
           <a:extLst>
             <a:ext uri="{909E8E84-426E-40DD-AFC4-6F175D3DCCD1}">
-              <a14:hiddenFill xmlns:a14="http://schemas.microsoft.com/office/drawing/2010/main" xmlns="">
+              <a14:hiddenFill xmlns="" xmlns:a14="http://schemas.microsoft.com/office/drawing/2010/main">
                 <a:solidFill>
                   <a:srgbClr val="FFFFFF"/>
                 </a:solidFill>
@@ -222,7 +226,7 @@
     </p:spTree>
     <p:extLst>
       <p:ext uri="{BB962C8B-B14F-4D97-AF65-F5344CB8AC3E}">
-        <p14:creationId xmlns:p14="http://schemas.microsoft.com/office/powerpoint/2010/main" xmlns="" val="2032416694"/>
+        <p14:creationId xmlns="" xmlns:p14="http://schemas.microsoft.com/office/powerpoint/2010/main" val="2032416694"/>
       </p:ext>
     </p:extLst>
   </p:cSld>
@@ -366,7 +370,7 @@
             <a:fld id="{D2E587EC-4A3E-4030-BABC-5E0C0236501C}" type="datetimeFigureOut">
               <a:rPr lang="ko-KR" altLang="en-US" smtClean="0"/>
               <a:pPr/>
-              <a:t>2017-04-06</a:t>
+              <a:t>2017-04-11</a:t>
             </a:fld>
             <a:endParaRPr lang="ko-KR" altLang="en-US"/>
           </a:p>
@@ -434,7 +438,7 @@
     </p:spTree>
     <p:extLst>
       <p:ext uri="{BB962C8B-B14F-4D97-AF65-F5344CB8AC3E}">
-        <p14:creationId xmlns:p14="http://schemas.microsoft.com/office/powerpoint/2010/main" xmlns="" val="2825368943"/>
+        <p14:creationId xmlns="" xmlns:p14="http://schemas.microsoft.com/office/powerpoint/2010/main" val="2825368943"/>
       </p:ext>
     </p:extLst>
   </p:cSld>
@@ -578,7 +582,7 @@
             <a:fld id="{D2E587EC-4A3E-4030-BABC-5E0C0236501C}" type="datetimeFigureOut">
               <a:rPr lang="ko-KR" altLang="en-US" smtClean="0"/>
               <a:pPr/>
-              <a:t>2017-04-06</a:t>
+              <a:t>2017-04-11</a:t>
             </a:fld>
             <a:endParaRPr lang="ko-KR" altLang="en-US"/>
           </a:p>
@@ -646,7 +650,7 @@
     </p:spTree>
     <p:extLst>
       <p:ext uri="{BB962C8B-B14F-4D97-AF65-F5344CB8AC3E}">
-        <p14:creationId xmlns:p14="http://schemas.microsoft.com/office/powerpoint/2010/main" xmlns="" val="2221001295"/>
+        <p14:creationId xmlns="" xmlns:p14="http://schemas.microsoft.com/office/powerpoint/2010/main" val="2221001295"/>
       </p:ext>
     </p:extLst>
   </p:cSld>
@@ -745,7 +749,7 @@
     </p:spTree>
     <p:extLst>
       <p:ext uri="{BB962C8B-B14F-4D97-AF65-F5344CB8AC3E}">
-        <p14:creationId xmlns:p14="http://schemas.microsoft.com/office/powerpoint/2010/main" xmlns="" val="3694015714"/>
+        <p14:creationId xmlns="" xmlns:p14="http://schemas.microsoft.com/office/powerpoint/2010/main" val="3694015714"/>
       </p:ext>
     </p:extLst>
   </p:cSld>
@@ -955,7 +959,7 @@
             <a:fld id="{D2E587EC-4A3E-4030-BABC-5E0C0236501C}" type="datetimeFigureOut">
               <a:rPr lang="ko-KR" altLang="en-US" smtClean="0"/>
               <a:pPr/>
-              <a:t>2017-04-06</a:t>
+              <a:t>2017-04-11</a:t>
             </a:fld>
             <a:endParaRPr lang="ko-KR" altLang="en-US"/>
           </a:p>
@@ -1023,7 +1027,7 @@
     </p:spTree>
     <p:extLst>
       <p:ext uri="{BB962C8B-B14F-4D97-AF65-F5344CB8AC3E}">
-        <p14:creationId xmlns:p14="http://schemas.microsoft.com/office/powerpoint/2010/main" xmlns="" val="1819799790"/>
+        <p14:creationId xmlns="" xmlns:p14="http://schemas.microsoft.com/office/powerpoint/2010/main" val="1819799790"/>
       </p:ext>
     </p:extLst>
   </p:cSld>
@@ -1283,7 +1287,7 @@
             <a:fld id="{D2E587EC-4A3E-4030-BABC-5E0C0236501C}" type="datetimeFigureOut">
               <a:rPr lang="ko-KR" altLang="en-US" smtClean="0"/>
               <a:pPr/>
-              <a:t>2017-04-06</a:t>
+              <a:t>2017-04-11</a:t>
             </a:fld>
             <a:endParaRPr lang="ko-KR" altLang="en-US"/>
           </a:p>
@@ -1351,7 +1355,7 @@
     </p:spTree>
     <p:extLst>
       <p:ext uri="{BB962C8B-B14F-4D97-AF65-F5344CB8AC3E}">
-        <p14:creationId xmlns:p14="http://schemas.microsoft.com/office/powerpoint/2010/main" xmlns="" val="1845900609"/>
+        <p14:creationId xmlns="" xmlns:p14="http://schemas.microsoft.com/office/powerpoint/2010/main" val="1845900609"/>
       </p:ext>
     </p:extLst>
   </p:cSld>
@@ -1751,7 +1755,7 @@
             <a:fld id="{D2E587EC-4A3E-4030-BABC-5E0C0236501C}" type="datetimeFigureOut">
               <a:rPr lang="ko-KR" altLang="en-US" smtClean="0"/>
               <a:pPr/>
-              <a:t>2017-04-06</a:t>
+              <a:t>2017-04-11</a:t>
             </a:fld>
             <a:endParaRPr lang="ko-KR" altLang="en-US"/>
           </a:p>
@@ -1819,7 +1823,7 @@
     </p:spTree>
     <p:extLst>
       <p:ext uri="{BB962C8B-B14F-4D97-AF65-F5344CB8AC3E}">
-        <p14:creationId xmlns:p14="http://schemas.microsoft.com/office/powerpoint/2010/main" xmlns="" val="1834140844"/>
+        <p14:creationId xmlns="" xmlns:p14="http://schemas.microsoft.com/office/powerpoint/2010/main" val="1834140844"/>
       </p:ext>
     </p:extLst>
   </p:cSld>
@@ -1903,7 +1907,7 @@
             <a:fld id="{D2E587EC-4A3E-4030-BABC-5E0C0236501C}" type="datetimeFigureOut">
               <a:rPr lang="ko-KR" altLang="en-US" smtClean="0"/>
               <a:pPr/>
-              <a:t>2017-04-06</a:t>
+              <a:t>2017-04-11</a:t>
             </a:fld>
             <a:endParaRPr lang="ko-KR" altLang="en-US"/>
           </a:p>
@@ -1971,7 +1975,7 @@
     </p:spTree>
     <p:extLst>
       <p:ext uri="{BB962C8B-B14F-4D97-AF65-F5344CB8AC3E}">
-        <p14:creationId xmlns:p14="http://schemas.microsoft.com/office/powerpoint/2010/main" xmlns="" val="3978738694"/>
+        <p14:creationId xmlns="" xmlns:p14="http://schemas.microsoft.com/office/powerpoint/2010/main" val="3978738694"/>
       </p:ext>
     </p:extLst>
   </p:cSld>
@@ -2024,7 +2028,7 @@
             <a:fld id="{D2E587EC-4A3E-4030-BABC-5E0C0236501C}" type="datetimeFigureOut">
               <a:rPr lang="ko-KR" altLang="en-US" smtClean="0"/>
               <a:pPr/>
-              <a:t>2017-04-06</a:t>
+              <a:t>2017-04-11</a:t>
             </a:fld>
             <a:endParaRPr lang="ko-KR" altLang="en-US"/>
           </a:p>
@@ -2092,7 +2096,7 @@
     </p:spTree>
     <p:extLst>
       <p:ext uri="{BB962C8B-B14F-4D97-AF65-F5344CB8AC3E}">
-        <p14:creationId xmlns:p14="http://schemas.microsoft.com/office/powerpoint/2010/main" xmlns="" val="3760371323"/>
+        <p14:creationId xmlns="" xmlns:p14="http://schemas.microsoft.com/office/powerpoint/2010/main" val="3760371323"/>
       </p:ext>
     </p:extLst>
   </p:cSld>
@@ -2336,7 +2340,7 @@
             <a:fld id="{D2E587EC-4A3E-4030-BABC-5E0C0236501C}" type="datetimeFigureOut">
               <a:rPr lang="ko-KR" altLang="en-US" smtClean="0"/>
               <a:pPr/>
-              <a:t>2017-04-06</a:t>
+              <a:t>2017-04-11</a:t>
             </a:fld>
             <a:endParaRPr lang="ko-KR" altLang="en-US"/>
           </a:p>
@@ -2404,7 +2408,7 @@
     </p:spTree>
     <p:extLst>
       <p:ext uri="{BB962C8B-B14F-4D97-AF65-F5344CB8AC3E}">
-        <p14:creationId xmlns:p14="http://schemas.microsoft.com/office/powerpoint/2010/main" xmlns="" val="2046782160"/>
+        <p14:creationId xmlns="" xmlns:p14="http://schemas.microsoft.com/office/powerpoint/2010/main" val="2046782160"/>
       </p:ext>
     </p:extLst>
   </p:cSld>
@@ -2624,7 +2628,7 @@
             <a:fld id="{D2E587EC-4A3E-4030-BABC-5E0C0236501C}" type="datetimeFigureOut">
               <a:rPr lang="ko-KR" altLang="en-US" smtClean="0"/>
               <a:pPr/>
-              <a:t>2017-04-06</a:t>
+              <a:t>2017-04-11</a:t>
             </a:fld>
             <a:endParaRPr lang="ko-KR" altLang="en-US"/>
           </a:p>
@@ -2692,7 +2696,7 @@
     </p:spTree>
     <p:extLst>
       <p:ext uri="{BB962C8B-B14F-4D97-AF65-F5344CB8AC3E}">
-        <p14:creationId xmlns:p14="http://schemas.microsoft.com/office/powerpoint/2010/main" xmlns="" val="2028806487"/>
+        <p14:creationId xmlns="" xmlns:p14="http://schemas.microsoft.com/office/powerpoint/2010/main" val="2028806487"/>
       </p:ext>
     </p:extLst>
   </p:cSld>
@@ -2708,7 +2712,7 @@
     <p:bg>
       <p:bgPr>
         <a:blipFill dpi="0" rotWithShape="1">
-          <a:blip r:embed="rId13">
+          <a:blip r:embed="rId13" cstate="print">
             <a:lum/>
           </a:blip>
           <a:srcRect/>
@@ -2736,7 +2740,7 @@
     </p:spTree>
     <p:extLst>
       <p:ext uri="{BB962C8B-B14F-4D97-AF65-F5344CB8AC3E}">
-        <p14:creationId xmlns:p14="http://schemas.microsoft.com/office/powerpoint/2010/main" xmlns="" val="437338208"/>
+        <p14:creationId xmlns="" xmlns:p14="http://schemas.microsoft.com/office/powerpoint/2010/main" val="437338208"/>
       </p:ext>
     </p:extLst>
   </p:cSld>
@@ -3026,278 +3030,43 @@
       </p:grpSpPr>
       <p:sp>
         <p:nvSpPr>
-          <p:cNvPr id="7" name="TextBox 6">
-            <a:hlinkClick r:id="rId2"/>
-          </p:cNvPr>
-          <p:cNvSpPr txBox="1"/>
-          <p:nvPr/>
-        </p:nvSpPr>
-        <p:spPr>
-          <a:xfrm>
-            <a:off x="0" y="6525344"/>
-            <a:ext cx="9144000" cy="215444"/>
-          </a:xfrm>
-          <a:prstGeom prst="rect">
-            <a:avLst/>
-          </a:prstGeom>
-          <a:noFill/>
-        </p:spPr>
-        <p:txBody>
-          <a:bodyPr wrap="square" rtlCol="0">
-            <a:spAutoFit/>
-          </a:bodyPr>
+          <p:cNvPr id="2" name="제목 1"/>
+          <p:cNvSpPr>
+            <a:spLocks noGrp="1"/>
+          </p:cNvSpPr>
+          <p:nvPr>
+            <p:ph type="title"/>
+          </p:nvPr>
+        </p:nvSpPr>
+        <p:spPr/>
+        <p:txBody>
+          <a:bodyPr/>
           <a:lstStyle/>
           <a:p>
-            <a:pPr algn="ctr"/>
-            <a:r>
-              <a:rPr lang="en-US" altLang="ko-KR" sz="800" dirty="0" smtClean="0">
-                <a:solidFill>
-                  <a:schemeClr val="tx1">
-                    <a:lumMod val="65000"/>
-                    <a:lumOff val="35000"/>
-                  </a:schemeClr>
-                </a:solidFill>
-                <a:latin typeface="Arial" pitchFamily="34" charset="0"/>
-                <a:cs typeface="Arial" pitchFamily="34" charset="0"/>
-              </a:rPr>
-              <a:t>ALLPPT.com _ Free PowerPoint Templates, Diagrams and Charts</a:t>
-            </a:r>
-            <a:endParaRPr lang="ko-KR" altLang="en-US" sz="800" dirty="0">
-              <a:solidFill>
-                <a:schemeClr val="tx1">
-                  <a:lumMod val="65000"/>
-                  <a:lumOff val="35000"/>
-                </a:schemeClr>
-              </a:solidFill>
-              <a:latin typeface="Arial" pitchFamily="34" charset="0"/>
-              <a:cs typeface="Arial" pitchFamily="34" charset="0"/>
-            </a:endParaRPr>
-          </a:p>
-        </p:txBody>
-      </p:sp>
-      <p:pic>
-        <p:nvPicPr>
-          <p:cNvPr id="12" name="Picture 11"/>
-          <p:cNvPicPr>
-            <a:picLocks noChangeAspect="1"/>
-          </p:cNvPicPr>
-          <p:nvPr/>
-        </p:nvPicPr>
-        <p:blipFill>
-          <a:blip r:embed="rId3" cstate="print">
-            <a:extLst>
-              <a:ext uri="{BEBA8EAE-BF5A-486C-A8C5-ECC9F3942E4B}">
-                <a14:imgProps xmlns:a14="http://schemas.microsoft.com/office/drawing/2010/main" xmlns="">
-                  <a14:imgLayer r:embed="rId4">
-                    <a14:imgEffect>
-                      <a14:brightnessContrast bright="-100000"/>
-                    </a14:imgEffect>
-                  </a14:imgLayer>
-                </a14:imgProps>
-              </a:ext>
-              <a:ext uri="{28A0092B-C50C-407E-A947-70E740481C1C}">
-                <a14:useLocalDpi xmlns:a14="http://schemas.microsoft.com/office/drawing/2010/main" xmlns="" val="0"/>
-              </a:ext>
-            </a:extLst>
-          </a:blip>
-          <a:stretch>
-            <a:fillRect/>
-          </a:stretch>
-        </p:blipFill>
-        <p:spPr>
-          <a:xfrm>
-            <a:off x="4067944" y="5916009"/>
-            <a:ext cx="1008112" cy="249295"/>
-          </a:xfrm>
-          <a:prstGeom prst="rect">
-            <a:avLst/>
-          </a:prstGeom>
-        </p:spPr>
-      </p:pic>
-      <p:sp>
-        <p:nvSpPr>
-          <p:cNvPr id="8" name="TextBox 7"/>
-          <p:cNvSpPr txBox="1"/>
-          <p:nvPr/>
-        </p:nvSpPr>
-        <p:spPr>
-          <a:xfrm>
-            <a:off x="0" y="5565329"/>
-            <a:ext cx="9144000" cy="276999"/>
-          </a:xfrm>
-          <a:prstGeom prst="rect">
-            <a:avLst/>
-          </a:prstGeom>
-          <a:noFill/>
-        </p:spPr>
-        <p:txBody>
-          <a:bodyPr wrap="square">
-            <a:spAutoFit/>
-          </a:bodyPr>
-          <a:lstStyle/>
-          <a:p>
-            <a:pPr algn="ctr" fontAlgn="auto">
-              <a:spcBef>
-                <a:spcPts val="0"/>
-              </a:spcBef>
-              <a:spcAft>
-                <a:spcPts val="0"/>
-              </a:spcAft>
-              <a:defRPr/>
-            </a:pPr>
-            <a:r>
-              <a:rPr kumimoji="0" lang="en-US" altLang="ko-KR" sz="1200" b="1" dirty="0" smtClean="0">
-                <a:solidFill>
-                  <a:schemeClr val="bg1">
-                    <a:lumMod val="65000"/>
-                  </a:schemeClr>
-                </a:solidFill>
-                <a:latin typeface="Calibri" pitchFamily="34" charset="0"/>
-                <a:cs typeface="Calibri" pitchFamily="34" charset="0"/>
-              </a:rPr>
-              <a:t>INSERT </a:t>
-            </a:r>
-            <a:r>
-              <a:rPr kumimoji="0" lang="en-US" altLang="ko-KR" sz="1200" b="1" dirty="0">
-                <a:solidFill>
-                  <a:schemeClr val="bg1">
-                    <a:lumMod val="65000"/>
-                  </a:schemeClr>
-                </a:solidFill>
-                <a:latin typeface="Calibri" pitchFamily="34" charset="0"/>
-                <a:cs typeface="Calibri" pitchFamily="34" charset="0"/>
-              </a:rPr>
-              <a:t>THE </a:t>
-            </a:r>
-            <a:r>
-              <a:rPr kumimoji="0" lang="en-US" altLang="ko-KR" sz="1200" b="1" dirty="0" smtClean="0">
-                <a:solidFill>
-                  <a:schemeClr val="bg1">
-                    <a:lumMod val="65000"/>
-                  </a:schemeClr>
-                </a:solidFill>
-                <a:latin typeface="Calibri" pitchFamily="34" charset="0"/>
-                <a:cs typeface="Calibri" pitchFamily="34" charset="0"/>
-              </a:rPr>
-              <a:t>TITLE OF</a:t>
-            </a:r>
-            <a:r>
-              <a:rPr lang="en-US" altLang="ko-KR" sz="1200" b="1" dirty="0" smtClean="0">
-                <a:solidFill>
-                  <a:schemeClr val="bg1">
-                    <a:lumMod val="65000"/>
-                  </a:schemeClr>
-                </a:solidFill>
-                <a:latin typeface="Calibri" pitchFamily="34" charset="0"/>
-                <a:cs typeface="Calibri" pitchFamily="34" charset="0"/>
-              </a:rPr>
-              <a:t> </a:t>
-            </a:r>
-            <a:r>
-              <a:rPr kumimoji="0" lang="en-US" altLang="ko-KR" sz="1200" b="1" dirty="0" smtClean="0">
-                <a:solidFill>
-                  <a:schemeClr val="bg1">
-                    <a:lumMod val="65000"/>
-                  </a:schemeClr>
-                </a:solidFill>
-                <a:latin typeface="Calibri" pitchFamily="34" charset="0"/>
-                <a:cs typeface="Calibri" pitchFamily="34" charset="0"/>
-              </a:rPr>
-              <a:t>YOUR PRESENTATION HERE    </a:t>
-            </a:r>
-            <a:endParaRPr kumimoji="0" lang="en-US" altLang="ko-KR" sz="1200" b="1" dirty="0">
-              <a:solidFill>
-                <a:schemeClr val="bg1">
-                  <a:lumMod val="65000"/>
-                </a:schemeClr>
-              </a:solidFill>
-              <a:latin typeface="Calibri" pitchFamily="34" charset="0"/>
-              <a:cs typeface="Calibri" pitchFamily="34" charset="0"/>
-            </a:endParaRPr>
-          </a:p>
-        </p:txBody>
-      </p:sp>
-      <p:sp>
-        <p:nvSpPr>
-          <p:cNvPr id="9" name="TextBox 1"/>
-          <p:cNvSpPr txBox="1">
-            <a:spLocks noChangeArrowheads="1"/>
-          </p:cNvSpPr>
-          <p:nvPr/>
-        </p:nvSpPr>
-        <p:spPr bwMode="auto">
-          <a:xfrm>
-            <a:off x="0" y="4989265"/>
-            <a:ext cx="9144000" cy="646331"/>
-          </a:xfrm>
-          <a:prstGeom prst="rect">
-            <a:avLst/>
-          </a:prstGeom>
-          <a:noFill/>
-          <a:ln w="9525">
-            <a:noFill/>
-            <a:miter lim="800000"/>
-            <a:headEnd/>
-            <a:tailEnd/>
-          </a:ln>
-        </p:spPr>
-        <p:txBody>
-          <a:bodyPr wrap="square">
-            <a:spAutoFit/>
-          </a:bodyPr>
-          <a:lstStyle/>
-          <a:p>
-            <a:pPr algn="ctr"/>
-            <a:r>
-              <a:rPr lang="en-US" altLang="ko-KR" sz="3600" b="1" dirty="0" smtClean="0">
-                <a:solidFill>
-                  <a:schemeClr val="tx1">
-                    <a:lumMod val="65000"/>
-                    <a:lumOff val="35000"/>
-                  </a:schemeClr>
-                </a:solidFill>
-                <a:latin typeface="Calibri" pitchFamily="34" charset="0"/>
-                <a:ea typeface="맑은 고딕" pitchFamily="50" charset="-127"/>
-                <a:cs typeface="Calibri" pitchFamily="34" charset="0"/>
-              </a:rPr>
-              <a:t>April Project</a:t>
-            </a:r>
-            <a:endParaRPr lang="en-US" altLang="ko-KR" sz="3600" b="1" dirty="0" smtClean="0">
-              <a:solidFill>
-                <a:schemeClr val="tx1">
-                  <a:lumMod val="65000"/>
-                  <a:lumOff val="35000"/>
-                </a:schemeClr>
-              </a:solidFill>
-              <a:latin typeface="Calibri" pitchFamily="34" charset="0"/>
-              <a:ea typeface="맑은 고딕" pitchFamily="50" charset="-127"/>
-              <a:cs typeface="Calibri" pitchFamily="34" charset="0"/>
-            </a:endParaRPr>
-          </a:p>
-        </p:txBody>
-      </p:sp>
-      <p:sp>
-        <p:nvSpPr>
-          <p:cNvPr id="2" name="Picture Placeholder 1"/>
-          <p:cNvSpPr>
-            <a:spLocks noGrp="1"/>
-          </p:cNvSpPr>
-          <p:nvPr>
-            <p:ph type="pic" sz="quarter" idx="10"/>
-          </p:nvPr>
-        </p:nvSpPr>
-        <p:spPr/>
+            <a:r>
+              <a:rPr lang="en-US" altLang="ko-KR" dirty="0" smtClean="0"/>
+              <a:t>Manchester United </a:t>
+            </a:r>
+            <a:r>
+              <a:rPr lang="ko-KR" altLang="en-US" dirty="0" smtClean="0"/>
+              <a:t>구단관리</a:t>
+            </a:r>
+            <a:endParaRPr lang="ko-KR" altLang="en-US" dirty="0"/>
+          </a:p>
+        </p:txBody>
       </p:sp>
     </p:spTree>
-    <p:extLst>
-      <p:ext uri="{BB962C8B-B14F-4D97-AF65-F5344CB8AC3E}">
-        <p14:creationId xmlns:p14="http://schemas.microsoft.com/office/powerpoint/2010/main" xmlns="" val="1941221791"/>
-      </p:ext>
-    </p:extLst>
   </p:cSld>
   <p:clrMapOvr>
     <a:masterClrMapping/>
   </p:clrMapOvr>
+  <p:timing>
+    <p:tnLst>
+      <p:par>
+        <p:cTn id="1" dur="indefinite" restart="never" nodeType="tmRoot"/>
+      </p:par>
+    </p:tnLst>
+  </p:timing>
 </p:sld>
 </file>
 
@@ -3350,7 +3119,21 @@
                 <a:ea typeface="Arial Unicode MS" pitchFamily="50" charset="-127"/>
                 <a:cs typeface="Calibri" pitchFamily="34" charset="0"/>
               </a:rPr>
-              <a:t> Enter Your Tittle</a:t>
+              <a:t> </a:t>
+            </a:r>
+            <a:r>
+              <a:rPr lang="en-US" altLang="ko-KR" sz="4400" dirty="0" smtClean="0">
+                <a:solidFill>
+                  <a:schemeClr val="tx1">
+                    <a:lumMod val="75000"/>
+                    <a:lumOff val="25000"/>
+                  </a:schemeClr>
+                </a:solidFill>
+                <a:latin typeface="Calibri" pitchFamily="34" charset="0"/>
+                <a:ea typeface="Arial Unicode MS" pitchFamily="50" charset="-127"/>
+                <a:cs typeface="Calibri" pitchFamily="34" charset="0"/>
+              </a:rPr>
+              <a:t>Manchester United</a:t>
             </a:r>
             <a:endParaRPr lang="ko-KR" altLang="en-US" sz="4400" dirty="0">
               <a:solidFill>
@@ -3366,151 +3149,914 @@
           </a:p>
         </p:txBody>
       </p:sp>
-      <p:sp>
-        <p:nvSpPr>
-          <p:cNvPr id="3" name="Content Placeholder 2"/>
-          <p:cNvSpPr>
-            <a:spLocks noGrp="1"/>
-          </p:cNvSpPr>
+      <p:pic>
+        <p:nvPicPr>
+          <p:cNvPr id="5" name="내용 개체 틀 4" descr="manu.png"/>
+          <p:cNvPicPr>
+            <a:picLocks noGrp="1" noChangeAspect="1"/>
+          </p:cNvPicPr>
           <p:nvPr>
             <p:ph idx="1"/>
           </p:nvPr>
-        </p:nvSpPr>
-        <p:spPr>
-          <a:xfrm>
-            <a:off x="1835696" y="1484784"/>
-            <a:ext cx="6851104" cy="4525963"/>
-          </a:xfrm>
-        </p:spPr>
-        <p:txBody>
-          <a:bodyPr>
-            <a:normAutofit lnSpcReduction="10000"/>
-          </a:bodyPr>
-          <a:lstStyle/>
-          <a:p>
-            <a:r>
-              <a:rPr lang="en-US" altLang="ko-KR" sz="4000" dirty="0" smtClean="0">
-                <a:solidFill>
-                  <a:schemeClr val="tx1">
-                    <a:lumMod val="75000"/>
-                    <a:lumOff val="25000"/>
-                  </a:schemeClr>
-                </a:solidFill>
-                <a:latin typeface="Calibri" pitchFamily="34" charset="0"/>
-                <a:cs typeface="Calibri" pitchFamily="34" charset="0"/>
-              </a:rPr>
-              <a:t>Standard 4:3</a:t>
-            </a:r>
-            <a:endParaRPr lang="en-US" altLang="ko-KR" sz="4000" dirty="0">
-              <a:solidFill>
-                <a:schemeClr val="tx1">
-                  <a:lumMod val="75000"/>
-                  <a:lumOff val="25000"/>
-                </a:schemeClr>
-              </a:solidFill>
-              <a:latin typeface="Calibri" pitchFamily="34" charset="0"/>
-              <a:cs typeface="Calibri" pitchFamily="34" charset="0"/>
-            </a:endParaRPr>
-          </a:p>
-          <a:p>
-            <a:pPr>
-              <a:buFont typeface="Wingdings" pitchFamily="2" charset="2"/>
-              <a:buChar char="ü"/>
-            </a:pPr>
-            <a:r>
-              <a:rPr lang="en-US" altLang="ko-KR" sz="2200" dirty="0">
-                <a:solidFill>
-                  <a:schemeClr val="tx1">
-                    <a:lumMod val="50000"/>
-                    <a:lumOff val="50000"/>
-                  </a:schemeClr>
-                </a:solidFill>
-                <a:latin typeface="Calibri" pitchFamily="34" charset="0"/>
-                <a:cs typeface="Calibri" pitchFamily="34" charset="0"/>
-              </a:rPr>
-              <a:t>This PowerPoint Template has clean and neutral design that can be adapted to any content and meets various market segments. With this many slides you are able to make a complete PowerPoint Presentation that best suit your needs. </a:t>
-            </a:r>
-            <a:endParaRPr lang="en-US" altLang="ko-KR" sz="2200" dirty="0" smtClean="0">
-              <a:solidFill>
-                <a:schemeClr val="tx1">
-                  <a:lumMod val="50000"/>
-                  <a:lumOff val="50000"/>
-                </a:schemeClr>
-              </a:solidFill>
-              <a:latin typeface="Calibri" pitchFamily="34" charset="0"/>
-              <a:cs typeface="Calibri" pitchFamily="34" charset="0"/>
-            </a:endParaRPr>
-          </a:p>
-          <a:p>
-            <a:pPr>
-              <a:buFont typeface="Wingdings" pitchFamily="2" charset="2"/>
-              <a:buChar char="ü"/>
-            </a:pPr>
-            <a:endParaRPr lang="en-US" altLang="ko-KR" sz="2200" dirty="0">
-              <a:solidFill>
-                <a:schemeClr val="tx1">
-                  <a:lumMod val="50000"/>
-                  <a:lumOff val="50000"/>
-                </a:schemeClr>
-              </a:solidFill>
-              <a:latin typeface="Calibri" pitchFamily="34" charset="0"/>
-              <a:cs typeface="Calibri" pitchFamily="34" charset="0"/>
-            </a:endParaRPr>
-          </a:p>
-          <a:p>
-            <a:pPr>
-              <a:buFont typeface="Wingdings" pitchFamily="2" charset="2"/>
-              <a:buChar char="ü"/>
-            </a:pPr>
-            <a:r>
-              <a:rPr lang="en-US" altLang="ko-KR" sz="2200" dirty="0" smtClean="0">
-                <a:solidFill>
-                  <a:schemeClr val="tx1">
-                    <a:lumMod val="50000"/>
-                    <a:lumOff val="50000"/>
-                  </a:schemeClr>
-                </a:solidFill>
-                <a:latin typeface="Calibri" pitchFamily="34" charset="0"/>
-                <a:cs typeface="Calibri" pitchFamily="34" charset="0"/>
-              </a:rPr>
-              <a:t>This </a:t>
-            </a:r>
-            <a:r>
-              <a:rPr lang="en-US" altLang="ko-KR" sz="2200" dirty="0">
-                <a:solidFill>
-                  <a:schemeClr val="tx1">
-                    <a:lumMod val="50000"/>
-                    <a:lumOff val="50000"/>
-                  </a:schemeClr>
-                </a:solidFill>
-                <a:latin typeface="Calibri" pitchFamily="34" charset="0"/>
-                <a:cs typeface="Calibri" pitchFamily="34" charset="0"/>
-              </a:rPr>
-              <a:t>PowerPoint Template has clean and neutral design that can be adapted to any content and meets various market segments. With this many slides you are able to make a complete PowerPoint Presentation that best suit your needs. </a:t>
-            </a:r>
-            <a:endParaRPr lang="ko-KR" altLang="en-US" sz="2200" dirty="0">
-              <a:solidFill>
-                <a:schemeClr val="tx1">
-                  <a:lumMod val="65000"/>
-                  <a:lumOff val="35000"/>
-                </a:schemeClr>
-              </a:solidFill>
-              <a:latin typeface="Calibri" pitchFamily="34" charset="0"/>
-              <a:cs typeface="Calibri" pitchFamily="34" charset="0"/>
-            </a:endParaRPr>
-          </a:p>
-        </p:txBody>
-      </p:sp>
+        </p:nvPicPr>
+        <p:blipFill>
+          <a:blip r:embed="rId2" cstate="print"/>
+          <a:stretch>
+            <a:fillRect/>
+          </a:stretch>
+        </p:blipFill>
+        <p:spPr>
+          <a:xfrm>
+            <a:off x="1907704" y="1556792"/>
+            <a:ext cx="4536504" cy="4335996"/>
+          </a:xfrm>
+        </p:spPr>
+      </p:pic>
     </p:spTree>
     <p:extLst>
       <p:ext uri="{BB962C8B-B14F-4D97-AF65-F5344CB8AC3E}">
-        <p14:creationId xmlns:p14="http://schemas.microsoft.com/office/powerpoint/2010/main" xmlns="" val="891763176"/>
+        <p14:creationId xmlns="" xmlns:p14="http://schemas.microsoft.com/office/powerpoint/2010/main" val="891763176"/>
       </p:ext>
     </p:extLst>
   </p:cSld>
   <p:clrMapOvr>
     <a:masterClrMapping/>
   </p:clrMapOvr>
+  <p:timing>
+    <p:tnLst>
+      <p:par>
+        <p:cTn id="1" dur="indefinite" restart="never" nodeType="tmRoot"/>
+      </p:par>
+    </p:tnLst>
+  </p:timing>
+</p:sld>
+</file>
+
+<file path=ppt/slides/slide3.xml><?xml version="1.0" encoding="utf-8"?>
+<p:sld xmlns:a="http://schemas.openxmlformats.org/drawingml/2006/main" xmlns:r="http://schemas.openxmlformats.org/officeDocument/2006/relationships" xmlns:p="http://schemas.openxmlformats.org/presentationml/2006/main">
+  <p:cSld>
+    <p:spTree>
+      <p:nvGrpSpPr>
+        <p:cNvPr id="1" name=""/>
+        <p:cNvGrpSpPr/>
+        <p:nvPr/>
+      </p:nvGrpSpPr>
+      <p:grpSpPr>
+        <a:xfrm>
+          <a:off x="0" y="0"/>
+          <a:ext cx="0" cy="0"/>
+          <a:chOff x="0" y="0"/>
+          <a:chExt cx="0" cy="0"/>
+        </a:xfrm>
+      </p:grpSpPr>
+      <p:pic>
+        <p:nvPicPr>
+          <p:cNvPr id="4" name="내용 개체 틀 3" descr="team.png"/>
+          <p:cNvPicPr>
+            <a:picLocks noGrp="1" noChangeAspect="1"/>
+          </p:cNvPicPr>
+          <p:nvPr>
+            <p:ph idx="1"/>
+          </p:nvPr>
+        </p:nvPicPr>
+        <p:blipFill>
+          <a:blip r:embed="rId2" cstate="print"/>
+          <a:stretch>
+            <a:fillRect/>
+          </a:stretch>
+        </p:blipFill>
+        <p:spPr>
+          <a:xfrm>
+            <a:off x="1259632" y="548680"/>
+            <a:ext cx="6089925" cy="2376264"/>
+          </a:xfrm>
+        </p:spPr>
+      </p:pic>
+      <p:pic>
+        <p:nvPicPr>
+          <p:cNvPr id="5" name="그림 4" descr="players.png"/>
+          <p:cNvPicPr>
+            <a:picLocks noChangeAspect="1"/>
+          </p:cNvPicPr>
+          <p:nvPr/>
+        </p:nvPicPr>
+        <p:blipFill>
+          <a:blip r:embed="rId3" cstate="print"/>
+          <a:stretch>
+            <a:fillRect/>
+          </a:stretch>
+        </p:blipFill>
+        <p:spPr>
+          <a:xfrm>
+            <a:off x="4283968" y="3212976"/>
+            <a:ext cx="4644008" cy="3275200"/>
+          </a:xfrm>
+          <a:prstGeom prst="rect">
+            <a:avLst/>
+          </a:prstGeom>
+        </p:spPr>
+      </p:pic>
+      <p:cxnSp>
+        <p:nvCxnSpPr>
+          <p:cNvPr id="17" name="Shape 16"/>
+          <p:cNvCxnSpPr>
+            <a:endCxn id="5" idx="1"/>
+          </p:cNvCxnSpPr>
+          <p:nvPr/>
+        </p:nvCxnSpPr>
+        <p:spPr>
+          <a:xfrm rot="16200000" flipH="1">
+            <a:off x="2385048" y="2951656"/>
+            <a:ext cx="1925632" cy="1872208"/>
+          </a:xfrm>
+          <a:prstGeom prst="bentConnector2">
+            <a:avLst/>
+          </a:prstGeom>
+          <a:ln>
+            <a:tailEnd type="arrow"/>
+          </a:ln>
+        </p:spPr>
+        <p:style>
+          <a:lnRef idx="1">
+            <a:schemeClr val="accent1"/>
+          </a:lnRef>
+          <a:fillRef idx="0">
+            <a:schemeClr val="accent1"/>
+          </a:fillRef>
+          <a:effectRef idx="0">
+            <a:schemeClr val="accent1"/>
+          </a:effectRef>
+          <a:fontRef idx="minor">
+            <a:schemeClr val="tx1"/>
+          </a:fontRef>
+        </p:style>
+      </p:cxnSp>
+    </p:spTree>
+  </p:cSld>
+  <p:clrMapOvr>
+    <a:masterClrMapping/>
+  </p:clrMapOvr>
+  <p:timing>
+    <p:tnLst>
+      <p:par>
+        <p:cTn id="1" dur="indefinite" restart="never" nodeType="tmRoot"/>
+      </p:par>
+    </p:tnLst>
+  </p:timing>
+</p:sld>
+</file>
+
+<file path=ppt/slides/slide4.xml><?xml version="1.0" encoding="utf-8"?>
+<p:sld xmlns:a="http://schemas.openxmlformats.org/drawingml/2006/main" xmlns:r="http://schemas.openxmlformats.org/officeDocument/2006/relationships" xmlns:p="http://schemas.openxmlformats.org/presentationml/2006/main">
+  <p:cSld>
+    <p:spTree>
+      <p:nvGrpSpPr>
+        <p:cNvPr id="1" name=""/>
+        <p:cNvGrpSpPr/>
+        <p:nvPr/>
+      </p:nvGrpSpPr>
+      <p:grpSpPr>
+        <a:xfrm>
+          <a:off x="0" y="0"/>
+          <a:ext cx="0" cy="0"/>
+          <a:chOff x="0" y="0"/>
+          <a:chExt cx="0" cy="0"/>
+        </a:xfrm>
+      </p:grpSpPr>
+      <p:pic>
+        <p:nvPicPr>
+          <p:cNvPr id="4" name="내용 개체 틀 3" descr="team.png"/>
+          <p:cNvPicPr>
+            <a:picLocks noGrp="1" noChangeAspect="1"/>
+          </p:cNvPicPr>
+          <p:nvPr>
+            <p:ph idx="1"/>
+          </p:nvPr>
+        </p:nvPicPr>
+        <p:blipFill>
+          <a:blip r:embed="rId2" cstate="print"/>
+          <a:stretch>
+            <a:fillRect/>
+          </a:stretch>
+        </p:blipFill>
+        <p:spPr>
+          <a:xfrm>
+            <a:off x="1403648" y="332656"/>
+            <a:ext cx="6274468" cy="2448272"/>
+          </a:xfrm>
+        </p:spPr>
+      </p:pic>
+      <p:pic>
+        <p:nvPicPr>
+          <p:cNvPr id="3074" name="Picture 2" descr="C:\Users\java\Desktop\20170411_104345.png"/>
+          <p:cNvPicPr>
+            <a:picLocks noChangeAspect="1" noChangeArrowheads="1"/>
+          </p:cNvPicPr>
+          <p:nvPr/>
+        </p:nvPicPr>
+        <p:blipFill>
+          <a:blip r:embed="rId3" cstate="print"/>
+          <a:srcRect/>
+          <a:stretch>
+            <a:fillRect/>
+          </a:stretch>
+        </p:blipFill>
+        <p:spPr bwMode="auto">
+          <a:xfrm>
+            <a:off x="2195736" y="3068960"/>
+            <a:ext cx="6571307" cy="3473698"/>
+          </a:xfrm>
+          <a:prstGeom prst="rect">
+            <a:avLst/>
+          </a:prstGeom>
+          <a:noFill/>
+        </p:spPr>
+      </p:pic>
+      <p:sp>
+        <p:nvSpPr>
+          <p:cNvPr id="8" name="직사각형 7"/>
+          <p:cNvSpPr/>
+          <p:nvPr/>
+        </p:nvSpPr>
+        <p:spPr>
+          <a:xfrm>
+            <a:off x="4067944" y="1340768"/>
+            <a:ext cx="504056" cy="648072"/>
+          </a:xfrm>
+          <a:prstGeom prst="rect">
+            <a:avLst/>
+          </a:prstGeom>
+          <a:noFill/>
+          <a:effectLst>
+            <a:glow rad="63500">
+              <a:schemeClr val="accent2">
+                <a:satMod val="175000"/>
+                <a:alpha val="40000"/>
+              </a:schemeClr>
+            </a:glow>
+          </a:effectLst>
+        </p:spPr>
+        <p:style>
+          <a:lnRef idx="2">
+            <a:schemeClr val="accent1">
+              <a:shade val="50000"/>
+            </a:schemeClr>
+          </a:lnRef>
+          <a:fillRef idx="1">
+            <a:schemeClr val="accent1"/>
+          </a:fillRef>
+          <a:effectRef idx="0">
+            <a:schemeClr val="accent1"/>
+          </a:effectRef>
+          <a:fontRef idx="minor">
+            <a:schemeClr val="lt1"/>
+          </a:fontRef>
+        </p:style>
+        <p:txBody>
+          <a:bodyPr rtlCol="0" anchor="ctr"/>
+          <a:lstStyle/>
+          <a:p>
+            <a:pPr algn="ctr"/>
+            <a:endParaRPr lang="ko-KR" altLang="en-US"/>
+          </a:p>
+        </p:txBody>
+      </p:sp>
+      <p:cxnSp>
+        <p:nvCxnSpPr>
+          <p:cNvPr id="10" name="직선 화살표 연결선 9"/>
+          <p:cNvCxnSpPr/>
+          <p:nvPr/>
+        </p:nvCxnSpPr>
+        <p:spPr>
+          <a:xfrm>
+            <a:off x="4334710" y="2039582"/>
+            <a:ext cx="0" cy="936104"/>
+          </a:xfrm>
+          <a:prstGeom prst="straightConnector1">
+            <a:avLst/>
+          </a:prstGeom>
+          <a:ln>
+            <a:tailEnd type="arrow"/>
+          </a:ln>
+        </p:spPr>
+        <p:style>
+          <a:lnRef idx="1">
+            <a:schemeClr val="accent1"/>
+          </a:lnRef>
+          <a:fillRef idx="0">
+            <a:schemeClr val="accent1"/>
+          </a:fillRef>
+          <a:effectRef idx="0">
+            <a:schemeClr val="accent1"/>
+          </a:effectRef>
+          <a:fontRef idx="minor">
+            <a:schemeClr val="tx1"/>
+          </a:fontRef>
+        </p:style>
+      </p:cxnSp>
+      <p:sp>
+        <p:nvSpPr>
+          <p:cNvPr id="11" name="TextBox 10"/>
+          <p:cNvSpPr txBox="1"/>
+          <p:nvPr/>
+        </p:nvSpPr>
+        <p:spPr>
+          <a:xfrm>
+            <a:off x="4516412" y="2316981"/>
+            <a:ext cx="3600400" cy="307777"/>
+          </a:xfrm>
+          <a:prstGeom prst="rect">
+            <a:avLst/>
+          </a:prstGeom>
+          <a:noFill/>
+        </p:spPr>
+        <p:txBody>
+          <a:bodyPr wrap="square" rtlCol="0">
+            <a:spAutoFit/>
+          </a:bodyPr>
+          <a:lstStyle/>
+          <a:p>
+            <a:r>
+              <a:rPr lang="en-US" altLang="ko-KR" sz="1400" dirty="0" smtClean="0"/>
+              <a:t>Click</a:t>
+            </a:r>
+            <a:r>
+              <a:rPr lang="ko-KR" altLang="en-US" sz="1400" dirty="0" smtClean="0"/>
+              <a:t>시 정보 페이지로 이동 </a:t>
+            </a:r>
+            <a:endParaRPr lang="ko-KR" altLang="en-US" sz="1400" dirty="0"/>
+          </a:p>
+        </p:txBody>
+      </p:sp>
+    </p:spTree>
+  </p:cSld>
+  <p:clrMapOvr>
+    <a:masterClrMapping/>
+  </p:clrMapOvr>
+  <p:timing>
+    <p:tnLst>
+      <p:par>
+        <p:cTn id="1" dur="indefinite" restart="never" nodeType="tmRoot"/>
+      </p:par>
+    </p:tnLst>
+  </p:timing>
+</p:sld>
+</file>
+
+<file path=ppt/slides/slide5.xml><?xml version="1.0" encoding="utf-8"?>
+<p:sld xmlns:a="http://schemas.openxmlformats.org/drawingml/2006/main" xmlns:r="http://schemas.openxmlformats.org/officeDocument/2006/relationships" xmlns:p="http://schemas.openxmlformats.org/presentationml/2006/main">
+  <p:cSld>
+    <p:spTree>
+      <p:nvGrpSpPr>
+        <p:cNvPr id="1" name=""/>
+        <p:cNvGrpSpPr/>
+        <p:nvPr/>
+      </p:nvGrpSpPr>
+      <p:grpSpPr>
+        <a:xfrm>
+          <a:off x="0" y="0"/>
+          <a:ext cx="0" cy="0"/>
+          <a:chOff x="0" y="0"/>
+          <a:chExt cx="0" cy="0"/>
+        </a:xfrm>
+      </p:grpSpPr>
+      <p:pic>
+        <p:nvPicPr>
+          <p:cNvPr id="9" name="내용 개체 틀 3" descr="team.png"/>
+          <p:cNvPicPr>
+            <a:picLocks noGrp="1" noChangeAspect="1"/>
+          </p:cNvPicPr>
+          <p:nvPr>
+            <p:ph idx="1"/>
+          </p:nvPr>
+        </p:nvPicPr>
+        <p:blipFill>
+          <a:blip r:embed="rId2" cstate="print"/>
+          <a:stretch>
+            <a:fillRect/>
+          </a:stretch>
+        </p:blipFill>
+        <p:spPr>
+          <a:xfrm>
+            <a:off x="1403648" y="1268760"/>
+            <a:ext cx="6089925" cy="2376264"/>
+          </a:xfrm>
+        </p:spPr>
+      </p:pic>
+      <p:pic>
+        <p:nvPicPr>
+          <p:cNvPr id="1029" name="Picture 5" descr="C:\Users\java\Desktop\modal-regist.png"/>
+          <p:cNvPicPr>
+            <a:picLocks noChangeAspect="1" noChangeArrowheads="1"/>
+          </p:cNvPicPr>
+          <p:nvPr/>
+        </p:nvPicPr>
+        <p:blipFill>
+          <a:blip r:embed="rId3" cstate="print"/>
+          <a:srcRect/>
+          <a:stretch>
+            <a:fillRect/>
+          </a:stretch>
+        </p:blipFill>
+        <p:spPr bwMode="auto">
+          <a:xfrm>
+            <a:off x="1331640" y="1340768"/>
+            <a:ext cx="4507616" cy="1944216"/>
+          </a:xfrm>
+          <a:prstGeom prst="rect">
+            <a:avLst/>
+          </a:prstGeom>
+          <a:noFill/>
+        </p:spPr>
+      </p:pic>
+      <p:pic>
+        <p:nvPicPr>
+          <p:cNvPr id="1030" name="Picture 6" descr="C:\Users\java\Desktop\modla_delte.png"/>
+          <p:cNvPicPr>
+            <a:picLocks noChangeAspect="1" noChangeArrowheads="1"/>
+          </p:cNvPicPr>
+          <p:nvPr/>
+        </p:nvPicPr>
+        <p:blipFill>
+          <a:blip r:embed="rId4" cstate="print"/>
+          <a:srcRect/>
+          <a:stretch>
+            <a:fillRect/>
+          </a:stretch>
+        </p:blipFill>
+        <p:spPr bwMode="auto">
+          <a:xfrm>
+            <a:off x="1547663" y="4653136"/>
+            <a:ext cx="5642591" cy="1755148"/>
+          </a:xfrm>
+          <a:prstGeom prst="rect">
+            <a:avLst/>
+          </a:prstGeom>
+          <a:noFill/>
+        </p:spPr>
+      </p:pic>
+      <p:pic>
+        <p:nvPicPr>
+          <p:cNvPr id="1031" name="Picture 7" descr="C:\Users\java\Desktop\modla_modify.png"/>
+          <p:cNvPicPr>
+            <a:picLocks noChangeAspect="1" noChangeArrowheads="1"/>
+          </p:cNvPicPr>
+          <p:nvPr/>
+        </p:nvPicPr>
+        <p:blipFill>
+          <a:blip r:embed="rId5" cstate="print"/>
+          <a:srcRect/>
+          <a:stretch>
+            <a:fillRect/>
+          </a:stretch>
+        </p:blipFill>
+        <p:spPr bwMode="auto">
+          <a:xfrm>
+            <a:off x="4427984" y="2564904"/>
+            <a:ext cx="4554934" cy="2523902"/>
+          </a:xfrm>
+          <a:prstGeom prst="rect">
+            <a:avLst/>
+          </a:prstGeom>
+          <a:noFill/>
+        </p:spPr>
+      </p:pic>
+      <p:sp>
+        <p:nvSpPr>
+          <p:cNvPr id="13" name="제목 12"/>
+          <p:cNvSpPr>
+            <a:spLocks noGrp="1"/>
+          </p:cNvSpPr>
+          <p:nvPr>
+            <p:ph type="title"/>
+          </p:nvPr>
+        </p:nvSpPr>
+        <p:spPr/>
+        <p:txBody>
+          <a:bodyPr/>
+          <a:lstStyle/>
+          <a:p>
+            <a:r>
+              <a:rPr lang="en-US" altLang="ko-KR" smtClean="0"/>
+              <a:t>Team </a:t>
+            </a:r>
+            <a:endParaRPr lang="ko-KR" altLang="en-US"/>
+          </a:p>
+        </p:txBody>
+      </p:sp>
+    </p:spTree>
+  </p:cSld>
+  <p:clrMapOvr>
+    <a:masterClrMapping/>
+  </p:clrMapOvr>
+  <p:timing>
+    <p:tnLst>
+      <p:par>
+        <p:cTn id="1" dur="indefinite" restart="never" nodeType="tmRoot">
+          <p:childTnLst>
+            <p:seq concurrent="1" nextAc="seek">
+              <p:cTn id="2" dur="indefinite" nodeType="mainSeq">
+                <p:childTnLst>
+                  <p:par>
+                    <p:cTn id="3" fill="hold">
+                      <p:stCondLst>
+                        <p:cond delay="indefinite"/>
+                      </p:stCondLst>
+                      <p:childTnLst>
+                        <p:par>
+                          <p:cTn id="4" fill="hold">
+                            <p:stCondLst>
+                              <p:cond delay="0"/>
+                            </p:stCondLst>
+                            <p:childTnLst>
+                              <p:par>
+                                <p:cTn id="5" presetID="42" presetClass="entr" presetSubtype="0" fill="hold" nodeType="clickEffect">
+                                  <p:stCondLst>
+                                    <p:cond delay="0"/>
+                                  </p:stCondLst>
+                                  <p:childTnLst>
+                                    <p:set>
+                                      <p:cBhvr>
+                                        <p:cTn id="6" dur="1" fill="hold">
+                                          <p:stCondLst>
+                                            <p:cond delay="0"/>
+                                          </p:stCondLst>
+                                        </p:cTn>
+                                        <p:tgtEl>
+                                          <p:spTgt spid="1029"/>
+                                        </p:tgtEl>
+                                        <p:attrNameLst>
+                                          <p:attrName>style.visibility</p:attrName>
+                                        </p:attrNameLst>
+                                      </p:cBhvr>
+                                      <p:to>
+                                        <p:strVal val="visible"/>
+                                      </p:to>
+                                    </p:set>
+                                    <p:animEffect transition="in" filter="fade">
+                                      <p:cBhvr>
+                                        <p:cTn id="7" dur="1000"/>
+                                        <p:tgtEl>
+                                          <p:spTgt spid="1029"/>
+                                        </p:tgtEl>
+                                      </p:cBhvr>
+                                    </p:animEffect>
+                                    <p:anim calcmode="lin" valueType="num">
+                                      <p:cBhvr>
+                                        <p:cTn id="8" dur="1000" fill="hold"/>
+                                        <p:tgtEl>
+                                          <p:spTgt spid="1029"/>
+                                        </p:tgtEl>
+                                        <p:attrNameLst>
+                                          <p:attrName>ppt_x</p:attrName>
+                                        </p:attrNameLst>
+                                      </p:cBhvr>
+                                      <p:tavLst>
+                                        <p:tav tm="0">
+                                          <p:val>
+                                            <p:strVal val="#ppt_x"/>
+                                          </p:val>
+                                        </p:tav>
+                                        <p:tav tm="100000">
+                                          <p:val>
+                                            <p:strVal val="#ppt_x"/>
+                                          </p:val>
+                                        </p:tav>
+                                      </p:tavLst>
+                                    </p:anim>
+                                    <p:anim calcmode="lin" valueType="num">
+                                      <p:cBhvr>
+                                        <p:cTn id="9" dur="1000" fill="hold"/>
+                                        <p:tgtEl>
+                                          <p:spTgt spid="1029"/>
+                                        </p:tgtEl>
+                                        <p:attrNameLst>
+                                          <p:attrName>ppt_y</p:attrName>
+                                        </p:attrNameLst>
+                                      </p:cBhvr>
+                                      <p:tavLst>
+                                        <p:tav tm="0">
+                                          <p:val>
+                                            <p:strVal val="#ppt_y+.1"/>
+                                          </p:val>
+                                        </p:tav>
+                                        <p:tav tm="100000">
+                                          <p:val>
+                                            <p:strVal val="#ppt_y"/>
+                                          </p:val>
+                                        </p:tav>
+                                      </p:tavLst>
+                                    </p:anim>
+                                  </p:childTnLst>
+                                </p:cTn>
+                              </p:par>
+                            </p:childTnLst>
+                          </p:cTn>
+                        </p:par>
+                      </p:childTnLst>
+                    </p:cTn>
+                  </p:par>
+                  <p:par>
+                    <p:cTn id="10" fill="hold">
+                      <p:stCondLst>
+                        <p:cond delay="indefinite"/>
+                      </p:stCondLst>
+                      <p:childTnLst>
+                        <p:par>
+                          <p:cTn id="11" fill="hold">
+                            <p:stCondLst>
+                              <p:cond delay="0"/>
+                            </p:stCondLst>
+                            <p:childTnLst>
+                              <p:par>
+                                <p:cTn id="12" presetID="42" presetClass="entr" presetSubtype="0" fill="hold" nodeType="clickEffect">
+                                  <p:stCondLst>
+                                    <p:cond delay="0"/>
+                                  </p:stCondLst>
+                                  <p:childTnLst>
+                                    <p:set>
+                                      <p:cBhvr>
+                                        <p:cTn id="13" dur="1" fill="hold">
+                                          <p:stCondLst>
+                                            <p:cond delay="0"/>
+                                          </p:stCondLst>
+                                        </p:cTn>
+                                        <p:tgtEl>
+                                          <p:spTgt spid="1031"/>
+                                        </p:tgtEl>
+                                        <p:attrNameLst>
+                                          <p:attrName>style.visibility</p:attrName>
+                                        </p:attrNameLst>
+                                      </p:cBhvr>
+                                      <p:to>
+                                        <p:strVal val="visible"/>
+                                      </p:to>
+                                    </p:set>
+                                    <p:animEffect transition="in" filter="fade">
+                                      <p:cBhvr>
+                                        <p:cTn id="14" dur="1000"/>
+                                        <p:tgtEl>
+                                          <p:spTgt spid="1031"/>
+                                        </p:tgtEl>
+                                      </p:cBhvr>
+                                    </p:animEffect>
+                                    <p:anim calcmode="lin" valueType="num">
+                                      <p:cBhvr>
+                                        <p:cTn id="15" dur="1000" fill="hold"/>
+                                        <p:tgtEl>
+                                          <p:spTgt spid="1031"/>
+                                        </p:tgtEl>
+                                        <p:attrNameLst>
+                                          <p:attrName>ppt_x</p:attrName>
+                                        </p:attrNameLst>
+                                      </p:cBhvr>
+                                      <p:tavLst>
+                                        <p:tav tm="0">
+                                          <p:val>
+                                            <p:strVal val="#ppt_x"/>
+                                          </p:val>
+                                        </p:tav>
+                                        <p:tav tm="100000">
+                                          <p:val>
+                                            <p:strVal val="#ppt_x"/>
+                                          </p:val>
+                                        </p:tav>
+                                      </p:tavLst>
+                                    </p:anim>
+                                    <p:anim calcmode="lin" valueType="num">
+                                      <p:cBhvr>
+                                        <p:cTn id="16" dur="1000" fill="hold"/>
+                                        <p:tgtEl>
+                                          <p:spTgt spid="1031"/>
+                                        </p:tgtEl>
+                                        <p:attrNameLst>
+                                          <p:attrName>ppt_y</p:attrName>
+                                        </p:attrNameLst>
+                                      </p:cBhvr>
+                                      <p:tavLst>
+                                        <p:tav tm="0">
+                                          <p:val>
+                                            <p:strVal val="#ppt_y+.1"/>
+                                          </p:val>
+                                        </p:tav>
+                                        <p:tav tm="100000">
+                                          <p:val>
+                                            <p:strVal val="#ppt_y"/>
+                                          </p:val>
+                                        </p:tav>
+                                      </p:tavLst>
+                                    </p:anim>
+                                  </p:childTnLst>
+                                </p:cTn>
+                              </p:par>
+                            </p:childTnLst>
+                          </p:cTn>
+                        </p:par>
+                      </p:childTnLst>
+                    </p:cTn>
+                  </p:par>
+                  <p:par>
+                    <p:cTn id="17" fill="hold">
+                      <p:stCondLst>
+                        <p:cond delay="indefinite"/>
+                      </p:stCondLst>
+                      <p:childTnLst>
+                        <p:par>
+                          <p:cTn id="18" fill="hold">
+                            <p:stCondLst>
+                              <p:cond delay="0"/>
+                            </p:stCondLst>
+                            <p:childTnLst>
+                              <p:par>
+                                <p:cTn id="19" presetID="42" presetClass="entr" presetSubtype="0" fill="hold" nodeType="clickEffect">
+                                  <p:stCondLst>
+                                    <p:cond delay="0"/>
+                                  </p:stCondLst>
+                                  <p:childTnLst>
+                                    <p:set>
+                                      <p:cBhvr>
+                                        <p:cTn id="20" dur="1" fill="hold">
+                                          <p:stCondLst>
+                                            <p:cond delay="0"/>
+                                          </p:stCondLst>
+                                        </p:cTn>
+                                        <p:tgtEl>
+                                          <p:spTgt spid="1030"/>
+                                        </p:tgtEl>
+                                        <p:attrNameLst>
+                                          <p:attrName>style.visibility</p:attrName>
+                                        </p:attrNameLst>
+                                      </p:cBhvr>
+                                      <p:to>
+                                        <p:strVal val="visible"/>
+                                      </p:to>
+                                    </p:set>
+                                    <p:animEffect transition="in" filter="fade">
+                                      <p:cBhvr>
+                                        <p:cTn id="21" dur="1000"/>
+                                        <p:tgtEl>
+                                          <p:spTgt spid="1030"/>
+                                        </p:tgtEl>
+                                      </p:cBhvr>
+                                    </p:animEffect>
+                                    <p:anim calcmode="lin" valueType="num">
+                                      <p:cBhvr>
+                                        <p:cTn id="22" dur="1000" fill="hold"/>
+                                        <p:tgtEl>
+                                          <p:spTgt spid="1030"/>
+                                        </p:tgtEl>
+                                        <p:attrNameLst>
+                                          <p:attrName>ppt_x</p:attrName>
+                                        </p:attrNameLst>
+                                      </p:cBhvr>
+                                      <p:tavLst>
+                                        <p:tav tm="0">
+                                          <p:val>
+                                            <p:strVal val="#ppt_x"/>
+                                          </p:val>
+                                        </p:tav>
+                                        <p:tav tm="100000">
+                                          <p:val>
+                                            <p:strVal val="#ppt_x"/>
+                                          </p:val>
+                                        </p:tav>
+                                      </p:tavLst>
+                                    </p:anim>
+                                    <p:anim calcmode="lin" valueType="num">
+                                      <p:cBhvr>
+                                        <p:cTn id="23" dur="1000" fill="hold"/>
+                                        <p:tgtEl>
+                                          <p:spTgt spid="1030"/>
+                                        </p:tgtEl>
+                                        <p:attrNameLst>
+                                          <p:attrName>ppt_y</p:attrName>
+                                        </p:attrNameLst>
+                                      </p:cBhvr>
+                                      <p:tavLst>
+                                        <p:tav tm="0">
+                                          <p:val>
+                                            <p:strVal val="#ppt_y+.1"/>
+                                          </p:val>
+                                        </p:tav>
+                                        <p:tav tm="100000">
+                                          <p:val>
+                                            <p:strVal val="#ppt_y"/>
+                                          </p:val>
+                                        </p:tav>
+                                      </p:tavLst>
+                                    </p:anim>
+                                  </p:childTnLst>
+                                </p:cTn>
+                              </p:par>
+                            </p:childTnLst>
+                          </p:cTn>
+                        </p:par>
+                      </p:childTnLst>
+                    </p:cTn>
+                  </p:par>
+                </p:childTnLst>
+              </p:cTn>
+              <p:prevCondLst>
+                <p:cond evt="onPrev" delay="0">
+                  <p:tgtEl>
+                    <p:sldTgt/>
+                  </p:tgtEl>
+                </p:cond>
+              </p:prevCondLst>
+              <p:nextCondLst>
+                <p:cond evt="onNext" delay="0">
+                  <p:tgtEl>
+                    <p:sldTgt/>
+                  </p:tgtEl>
+                </p:cond>
+              </p:nextCondLst>
+            </p:seq>
+          </p:childTnLst>
+        </p:cTn>
+      </p:par>
+    </p:tnLst>
+  </p:timing>
+</p:sld>
+</file>
+
+<file path=ppt/slides/slide6.xml><?xml version="1.0" encoding="utf-8"?>
+<p:sld xmlns:a="http://schemas.openxmlformats.org/drawingml/2006/main" xmlns:r="http://schemas.openxmlformats.org/officeDocument/2006/relationships" xmlns:p="http://schemas.openxmlformats.org/presentationml/2006/main">
+  <p:cSld>
+    <p:spTree>
+      <p:nvGrpSpPr>
+        <p:cNvPr id="1" name=""/>
+        <p:cNvGrpSpPr/>
+        <p:nvPr/>
+      </p:nvGrpSpPr>
+      <p:grpSpPr>
+        <a:xfrm>
+          <a:off x="0" y="0"/>
+          <a:ext cx="0" cy="0"/>
+          <a:chOff x="0" y="0"/>
+          <a:chExt cx="0" cy="0"/>
+        </a:xfrm>
+      </p:grpSpPr>
+      <p:sp>
+        <p:nvSpPr>
+          <p:cNvPr id="2" name="제목 1"/>
+          <p:cNvSpPr>
+            <a:spLocks noGrp="1"/>
+          </p:cNvSpPr>
+          <p:nvPr>
+            <p:ph type="title"/>
+          </p:nvPr>
+        </p:nvSpPr>
+        <p:spPr/>
+        <p:txBody>
+          <a:bodyPr/>
+          <a:lstStyle/>
+          <a:p>
+            <a:r>
+              <a:rPr lang="en-US" altLang="ko-KR" dirty="0" smtClean="0"/>
+              <a:t>Members</a:t>
+            </a:r>
+            <a:endParaRPr lang="ko-KR" altLang="en-US" dirty="0"/>
+          </a:p>
+        </p:txBody>
+      </p:sp>
+      <p:pic>
+        <p:nvPicPr>
+          <p:cNvPr id="2050" name="Picture 2" descr="C:\Users\java\Desktop\players.png"/>
+          <p:cNvPicPr>
+            <a:picLocks noChangeAspect="1" noChangeArrowheads="1"/>
+          </p:cNvPicPr>
+          <p:nvPr/>
+        </p:nvPicPr>
+        <p:blipFill>
+          <a:blip r:embed="rId2" cstate="print"/>
+          <a:srcRect/>
+          <a:stretch>
+            <a:fillRect/>
+          </a:stretch>
+        </p:blipFill>
+        <p:spPr bwMode="auto">
+          <a:xfrm>
+            <a:off x="1259632" y="1052736"/>
+            <a:ext cx="7161460" cy="5050641"/>
+          </a:xfrm>
+          <a:prstGeom prst="rect">
+            <a:avLst/>
+          </a:prstGeom>
+          <a:noFill/>
+        </p:spPr>
+      </p:pic>
+    </p:spTree>
+  </p:cSld>
+  <p:clrMapOvr>
+    <a:masterClrMapping/>
+  </p:clrMapOvr>
+  <p:timing>
+    <p:tnLst>
+      <p:par>
+        <p:cTn id="1" dur="indefinite" restart="never" nodeType="tmRoot"/>
+      </p:par>
+    </p:tnLst>
+  </p:timing>
 </p:sld>
 </file>
 
